--- a/ppt 16-9/0858.不知道哪一天.pptx
+++ b/ppt 16-9/0858.不知道哪一天.pptx
@@ -129,7 +129,7 @@
           <p:cNvPr id="2" name="标题 1">
             <a:extLst>
               <a:ext uri="{FF2B5EF4-FFF2-40B4-BE49-F238E27FC236}">
-                <a16:creationId xmlns:a16="http://schemas.microsoft.com/office/drawing/2014/main" id="{6095E3A4-0037-7066-D561-556779151AAF}"/>
+                <a16:creationId xmlns:a16="http://schemas.microsoft.com/office/drawing/2014/main" id="{B644CA72-1FC8-3076-0033-3BA3DF12F187}"/>
               </a:ext>
             </a:extLst>
           </p:cNvPr>
@@ -166,7 +166,7 @@
           <p:cNvPr id="3" name="副标题 2">
             <a:extLst>
               <a:ext uri="{FF2B5EF4-FFF2-40B4-BE49-F238E27FC236}">
-                <a16:creationId xmlns:a16="http://schemas.microsoft.com/office/drawing/2014/main" id="{518D0122-88B6-60FD-4BDB-6518E2A893BC}"/>
+                <a16:creationId xmlns:a16="http://schemas.microsoft.com/office/drawing/2014/main" id="{8623BCD6-8D17-E511-3BCF-FB228F402327}"/>
               </a:ext>
             </a:extLst>
           </p:cNvPr>
@@ -236,7 +236,7 @@
           <p:cNvPr id="4" name="日期占位符 3">
             <a:extLst>
               <a:ext uri="{FF2B5EF4-FFF2-40B4-BE49-F238E27FC236}">
-                <a16:creationId xmlns:a16="http://schemas.microsoft.com/office/drawing/2014/main" id="{FD83FA55-2F3A-054F-6E75-67F4930B32BC}"/>
+                <a16:creationId xmlns:a16="http://schemas.microsoft.com/office/drawing/2014/main" id="{AA39719F-2E39-02A8-2F43-742BFA552A77}"/>
               </a:ext>
             </a:extLst>
           </p:cNvPr>
@@ -252,7 +252,7 @@
           <a:bodyPr/>
           <a:lstStyle/>
           <a:p>
-            <a:fld id="{8E4BE6F7-C9B7-45F7-9A19-6444A27BB7FD}" type="datetimeFigureOut">
+            <a:fld id="{C48BCD11-93B0-4231-A8A1-28C388299B91}" type="datetimeFigureOut">
               <a:rPr lang="zh-CN" altLang="en-US" smtClean="0"/>
               <a:t>2024/3/10</a:t>
             </a:fld>
@@ -265,7 +265,7 @@
           <p:cNvPr id="5" name="页脚占位符 4">
             <a:extLst>
               <a:ext uri="{FF2B5EF4-FFF2-40B4-BE49-F238E27FC236}">
-                <a16:creationId xmlns:a16="http://schemas.microsoft.com/office/drawing/2014/main" id="{28E38027-6BCA-2FA3-5B51-BE2F60D1D081}"/>
+                <a16:creationId xmlns:a16="http://schemas.microsoft.com/office/drawing/2014/main" id="{95473C43-BACB-9960-0978-863ABF1E6396}"/>
               </a:ext>
             </a:extLst>
           </p:cNvPr>
@@ -290,7 +290,7 @@
           <p:cNvPr id="6" name="灯片编号占位符 5">
             <a:extLst>
               <a:ext uri="{FF2B5EF4-FFF2-40B4-BE49-F238E27FC236}">
-                <a16:creationId xmlns:a16="http://schemas.microsoft.com/office/drawing/2014/main" id="{95826849-500D-20BC-0B50-46DEE8D437AF}"/>
+                <a16:creationId xmlns:a16="http://schemas.microsoft.com/office/drawing/2014/main" id="{405FCAAB-603F-9C2B-F330-04D78B043920}"/>
               </a:ext>
             </a:extLst>
           </p:cNvPr>
@@ -306,7 +306,7 @@
           <a:bodyPr/>
           <a:lstStyle/>
           <a:p>
-            <a:fld id="{2BA13C56-34E5-4D97-85F1-D6F299C26E03}" type="slidenum">
+            <a:fld id="{54719AC0-EBB7-46E5-AF2E-8A495D2C1148}" type="slidenum">
               <a:rPr lang="zh-CN" altLang="en-US" smtClean="0"/>
               <a:t>‹#›</a:t>
             </a:fld>
@@ -317,7 +317,7 @@
     </p:spTree>
     <p:extLst>
       <p:ext uri="{BB962C8B-B14F-4D97-AF65-F5344CB8AC3E}">
-        <p14:creationId xmlns:p14="http://schemas.microsoft.com/office/powerpoint/2010/main" val="688826579"/>
+        <p14:creationId xmlns:p14="http://schemas.microsoft.com/office/powerpoint/2010/main" val="554229392"/>
       </p:ext>
     </p:extLst>
   </p:cSld>
@@ -349,7 +349,7 @@
           <p:cNvPr id="2" name="标题 1">
             <a:extLst>
               <a:ext uri="{FF2B5EF4-FFF2-40B4-BE49-F238E27FC236}">
-                <a16:creationId xmlns:a16="http://schemas.microsoft.com/office/drawing/2014/main" id="{4E21E855-AD08-21DA-8D6F-F6D2630907CA}"/>
+                <a16:creationId xmlns:a16="http://schemas.microsoft.com/office/drawing/2014/main" id="{1D1E5D3E-2E2B-CB84-CDBA-8AD06615A385}"/>
               </a:ext>
             </a:extLst>
           </p:cNvPr>
@@ -377,7 +377,7 @@
           <p:cNvPr id="3" name="竖排文字占位符 2">
             <a:extLst>
               <a:ext uri="{FF2B5EF4-FFF2-40B4-BE49-F238E27FC236}">
-                <a16:creationId xmlns:a16="http://schemas.microsoft.com/office/drawing/2014/main" id="{0A28A07B-7D34-AEB1-EF30-C728AF9065DE}"/>
+                <a16:creationId xmlns:a16="http://schemas.microsoft.com/office/drawing/2014/main" id="{BB3FA35A-CC84-087D-3FEF-AE820DC6A043}"/>
               </a:ext>
             </a:extLst>
           </p:cNvPr>
@@ -434,7 +434,7 @@
           <p:cNvPr id="4" name="日期占位符 3">
             <a:extLst>
               <a:ext uri="{FF2B5EF4-FFF2-40B4-BE49-F238E27FC236}">
-                <a16:creationId xmlns:a16="http://schemas.microsoft.com/office/drawing/2014/main" id="{43765307-C772-7CE4-E095-4EE3D151CD46}"/>
+                <a16:creationId xmlns:a16="http://schemas.microsoft.com/office/drawing/2014/main" id="{FD2AD4B3-40B0-38EC-9EED-15E995CEDC62}"/>
               </a:ext>
             </a:extLst>
           </p:cNvPr>
@@ -450,7 +450,7 @@
           <a:bodyPr/>
           <a:lstStyle/>
           <a:p>
-            <a:fld id="{8E4BE6F7-C9B7-45F7-9A19-6444A27BB7FD}" type="datetimeFigureOut">
+            <a:fld id="{C48BCD11-93B0-4231-A8A1-28C388299B91}" type="datetimeFigureOut">
               <a:rPr lang="zh-CN" altLang="en-US" smtClean="0"/>
               <a:t>2024/3/10</a:t>
             </a:fld>
@@ -463,7 +463,7 @@
           <p:cNvPr id="5" name="页脚占位符 4">
             <a:extLst>
               <a:ext uri="{FF2B5EF4-FFF2-40B4-BE49-F238E27FC236}">
-                <a16:creationId xmlns:a16="http://schemas.microsoft.com/office/drawing/2014/main" id="{954CFB61-7C88-DED1-0A5D-353108D62E0D}"/>
+                <a16:creationId xmlns:a16="http://schemas.microsoft.com/office/drawing/2014/main" id="{7C79B9D5-7CEE-7F33-A8B7-3B3AEB8AD10D}"/>
               </a:ext>
             </a:extLst>
           </p:cNvPr>
@@ -488,7 +488,7 @@
           <p:cNvPr id="6" name="灯片编号占位符 5">
             <a:extLst>
               <a:ext uri="{FF2B5EF4-FFF2-40B4-BE49-F238E27FC236}">
-                <a16:creationId xmlns:a16="http://schemas.microsoft.com/office/drawing/2014/main" id="{E4397911-4CF8-9D11-AA97-33BBA5355556}"/>
+                <a16:creationId xmlns:a16="http://schemas.microsoft.com/office/drawing/2014/main" id="{7AC9B4AF-DC91-0BCD-C2C9-AB37A4D8D40B}"/>
               </a:ext>
             </a:extLst>
           </p:cNvPr>
@@ -504,7 +504,7 @@
           <a:bodyPr/>
           <a:lstStyle/>
           <a:p>
-            <a:fld id="{2BA13C56-34E5-4D97-85F1-D6F299C26E03}" type="slidenum">
+            <a:fld id="{54719AC0-EBB7-46E5-AF2E-8A495D2C1148}" type="slidenum">
               <a:rPr lang="zh-CN" altLang="en-US" smtClean="0"/>
               <a:t>‹#›</a:t>
             </a:fld>
@@ -515,7 +515,7 @@
     </p:spTree>
     <p:extLst>
       <p:ext uri="{BB962C8B-B14F-4D97-AF65-F5344CB8AC3E}">
-        <p14:creationId xmlns:p14="http://schemas.microsoft.com/office/powerpoint/2010/main" val="196921415"/>
+        <p14:creationId xmlns:p14="http://schemas.microsoft.com/office/powerpoint/2010/main" val="3496685120"/>
       </p:ext>
     </p:extLst>
   </p:cSld>
@@ -547,7 +547,7 @@
           <p:cNvPr id="2" name="竖排标题 1">
             <a:extLst>
               <a:ext uri="{FF2B5EF4-FFF2-40B4-BE49-F238E27FC236}">
-                <a16:creationId xmlns:a16="http://schemas.microsoft.com/office/drawing/2014/main" id="{CC440E14-871E-B2EF-6EB7-AFD1056C5847}"/>
+                <a16:creationId xmlns:a16="http://schemas.microsoft.com/office/drawing/2014/main" id="{CF521E83-F189-1B57-F9D5-634AB52C7C73}"/>
               </a:ext>
             </a:extLst>
           </p:cNvPr>
@@ -580,7 +580,7 @@
           <p:cNvPr id="3" name="竖排文字占位符 2">
             <a:extLst>
               <a:ext uri="{FF2B5EF4-FFF2-40B4-BE49-F238E27FC236}">
-                <a16:creationId xmlns:a16="http://schemas.microsoft.com/office/drawing/2014/main" id="{659A332D-2C7C-E3CA-8B9E-CBAA25E2E10C}"/>
+                <a16:creationId xmlns:a16="http://schemas.microsoft.com/office/drawing/2014/main" id="{B48BAF29-60A0-B126-B15C-2AD8D893E5FD}"/>
               </a:ext>
             </a:extLst>
           </p:cNvPr>
@@ -642,7 +642,7 @@
           <p:cNvPr id="4" name="日期占位符 3">
             <a:extLst>
               <a:ext uri="{FF2B5EF4-FFF2-40B4-BE49-F238E27FC236}">
-                <a16:creationId xmlns:a16="http://schemas.microsoft.com/office/drawing/2014/main" id="{B5F4C7DA-75C5-3C99-CA9F-9729F89460C8}"/>
+                <a16:creationId xmlns:a16="http://schemas.microsoft.com/office/drawing/2014/main" id="{3774EBA2-6D03-E347-AE62-F192D2CDD0EE}"/>
               </a:ext>
             </a:extLst>
           </p:cNvPr>
@@ -658,7 +658,7 @@
           <a:bodyPr/>
           <a:lstStyle/>
           <a:p>
-            <a:fld id="{8E4BE6F7-C9B7-45F7-9A19-6444A27BB7FD}" type="datetimeFigureOut">
+            <a:fld id="{C48BCD11-93B0-4231-A8A1-28C388299B91}" type="datetimeFigureOut">
               <a:rPr lang="zh-CN" altLang="en-US" smtClean="0"/>
               <a:t>2024/3/10</a:t>
             </a:fld>
@@ -671,7 +671,7 @@
           <p:cNvPr id="5" name="页脚占位符 4">
             <a:extLst>
               <a:ext uri="{FF2B5EF4-FFF2-40B4-BE49-F238E27FC236}">
-                <a16:creationId xmlns:a16="http://schemas.microsoft.com/office/drawing/2014/main" id="{F563C2A8-FF3E-B62A-8539-A1172C77E890}"/>
+                <a16:creationId xmlns:a16="http://schemas.microsoft.com/office/drawing/2014/main" id="{72DA9173-DBC0-A6C3-A0D3-76E7D0218F01}"/>
               </a:ext>
             </a:extLst>
           </p:cNvPr>
@@ -696,7 +696,7 @@
           <p:cNvPr id="6" name="灯片编号占位符 5">
             <a:extLst>
               <a:ext uri="{FF2B5EF4-FFF2-40B4-BE49-F238E27FC236}">
-                <a16:creationId xmlns:a16="http://schemas.microsoft.com/office/drawing/2014/main" id="{A2ECBAD1-B9D7-A0F3-6A6C-ED3C256C2302}"/>
+                <a16:creationId xmlns:a16="http://schemas.microsoft.com/office/drawing/2014/main" id="{1ACB3F02-50A9-A46C-EA9B-2CF3BBF60951}"/>
               </a:ext>
             </a:extLst>
           </p:cNvPr>
@@ -712,7 +712,7 @@
           <a:bodyPr/>
           <a:lstStyle/>
           <a:p>
-            <a:fld id="{2BA13C56-34E5-4D97-85F1-D6F299C26E03}" type="slidenum">
+            <a:fld id="{54719AC0-EBB7-46E5-AF2E-8A495D2C1148}" type="slidenum">
               <a:rPr lang="zh-CN" altLang="en-US" smtClean="0"/>
               <a:t>‹#›</a:t>
             </a:fld>
@@ -723,7 +723,7 @@
     </p:spTree>
     <p:extLst>
       <p:ext uri="{BB962C8B-B14F-4D97-AF65-F5344CB8AC3E}">
-        <p14:creationId xmlns:p14="http://schemas.microsoft.com/office/powerpoint/2010/main" val="704789729"/>
+        <p14:creationId xmlns:p14="http://schemas.microsoft.com/office/powerpoint/2010/main" val="1454074057"/>
       </p:ext>
     </p:extLst>
   </p:cSld>
@@ -755,7 +755,7 @@
           <p:cNvPr id="2" name="标题 1">
             <a:extLst>
               <a:ext uri="{FF2B5EF4-FFF2-40B4-BE49-F238E27FC236}">
-                <a16:creationId xmlns:a16="http://schemas.microsoft.com/office/drawing/2014/main" id="{0DD5931B-099B-C94C-DD34-2AEB036DC2FD}"/>
+                <a16:creationId xmlns:a16="http://schemas.microsoft.com/office/drawing/2014/main" id="{36CE158D-81F5-5640-4B56-F1CEFA7A7659}"/>
               </a:ext>
             </a:extLst>
           </p:cNvPr>
@@ -783,7 +783,7 @@
           <p:cNvPr id="3" name="内容占位符 2">
             <a:extLst>
               <a:ext uri="{FF2B5EF4-FFF2-40B4-BE49-F238E27FC236}">
-                <a16:creationId xmlns:a16="http://schemas.microsoft.com/office/drawing/2014/main" id="{9DD15E25-D9E4-30CA-1931-00C5C31600A6}"/>
+                <a16:creationId xmlns:a16="http://schemas.microsoft.com/office/drawing/2014/main" id="{4C0D055C-C24C-58BD-5343-92ADDE1737FB}"/>
               </a:ext>
             </a:extLst>
           </p:cNvPr>
@@ -840,7 +840,7 @@
           <p:cNvPr id="4" name="日期占位符 3">
             <a:extLst>
               <a:ext uri="{FF2B5EF4-FFF2-40B4-BE49-F238E27FC236}">
-                <a16:creationId xmlns:a16="http://schemas.microsoft.com/office/drawing/2014/main" id="{1476F0FC-6DE0-1CA0-6FDF-413C203EE446}"/>
+                <a16:creationId xmlns:a16="http://schemas.microsoft.com/office/drawing/2014/main" id="{33A0980D-4E9F-FEDA-FD61-152BEC761DCE}"/>
               </a:ext>
             </a:extLst>
           </p:cNvPr>
@@ -856,7 +856,7 @@
           <a:bodyPr/>
           <a:lstStyle/>
           <a:p>
-            <a:fld id="{8E4BE6F7-C9B7-45F7-9A19-6444A27BB7FD}" type="datetimeFigureOut">
+            <a:fld id="{C48BCD11-93B0-4231-A8A1-28C388299B91}" type="datetimeFigureOut">
               <a:rPr lang="zh-CN" altLang="en-US" smtClean="0"/>
               <a:t>2024/3/10</a:t>
             </a:fld>
@@ -869,7 +869,7 @@
           <p:cNvPr id="5" name="页脚占位符 4">
             <a:extLst>
               <a:ext uri="{FF2B5EF4-FFF2-40B4-BE49-F238E27FC236}">
-                <a16:creationId xmlns:a16="http://schemas.microsoft.com/office/drawing/2014/main" id="{9C099547-5406-74FF-2C82-127093DDD352}"/>
+                <a16:creationId xmlns:a16="http://schemas.microsoft.com/office/drawing/2014/main" id="{FC0C7E91-CF7B-0ACC-46F2-8E404E0C19B1}"/>
               </a:ext>
             </a:extLst>
           </p:cNvPr>
@@ -894,7 +894,7 @@
           <p:cNvPr id="6" name="灯片编号占位符 5">
             <a:extLst>
               <a:ext uri="{FF2B5EF4-FFF2-40B4-BE49-F238E27FC236}">
-                <a16:creationId xmlns:a16="http://schemas.microsoft.com/office/drawing/2014/main" id="{54CB58C9-8D3A-7B3B-C91D-66CABB4CC8C9}"/>
+                <a16:creationId xmlns:a16="http://schemas.microsoft.com/office/drawing/2014/main" id="{F29E98F2-2FC7-8086-0B4A-19012285976C}"/>
               </a:ext>
             </a:extLst>
           </p:cNvPr>
@@ -910,7 +910,7 @@
           <a:bodyPr/>
           <a:lstStyle/>
           <a:p>
-            <a:fld id="{2BA13C56-34E5-4D97-85F1-D6F299C26E03}" type="slidenum">
+            <a:fld id="{54719AC0-EBB7-46E5-AF2E-8A495D2C1148}" type="slidenum">
               <a:rPr lang="zh-CN" altLang="en-US" smtClean="0"/>
               <a:t>‹#›</a:t>
             </a:fld>
@@ -921,7 +921,7 @@
     </p:spTree>
     <p:extLst>
       <p:ext uri="{BB962C8B-B14F-4D97-AF65-F5344CB8AC3E}">
-        <p14:creationId xmlns:p14="http://schemas.microsoft.com/office/powerpoint/2010/main" val="1612655241"/>
+        <p14:creationId xmlns:p14="http://schemas.microsoft.com/office/powerpoint/2010/main" val="4066967001"/>
       </p:ext>
     </p:extLst>
   </p:cSld>
@@ -953,7 +953,7 @@
           <p:cNvPr id="2" name="标题 1">
             <a:extLst>
               <a:ext uri="{FF2B5EF4-FFF2-40B4-BE49-F238E27FC236}">
-                <a16:creationId xmlns:a16="http://schemas.microsoft.com/office/drawing/2014/main" id="{A1D8FC81-9BE1-2632-D108-949C68B8CE48}"/>
+                <a16:creationId xmlns:a16="http://schemas.microsoft.com/office/drawing/2014/main" id="{BB34928D-63C4-5466-5240-2500E060EC7A}"/>
               </a:ext>
             </a:extLst>
           </p:cNvPr>
@@ -990,7 +990,7 @@
           <p:cNvPr id="3" name="文本占位符 2">
             <a:extLst>
               <a:ext uri="{FF2B5EF4-FFF2-40B4-BE49-F238E27FC236}">
-                <a16:creationId xmlns:a16="http://schemas.microsoft.com/office/drawing/2014/main" id="{4014AE23-7F92-31F6-4D58-237A1050570B}"/>
+                <a16:creationId xmlns:a16="http://schemas.microsoft.com/office/drawing/2014/main" id="{8E8144BC-E379-D0CD-A523-1716F7BB65D8}"/>
               </a:ext>
             </a:extLst>
           </p:cNvPr>
@@ -1115,7 +1115,7 @@
           <p:cNvPr id="4" name="日期占位符 3">
             <a:extLst>
               <a:ext uri="{FF2B5EF4-FFF2-40B4-BE49-F238E27FC236}">
-                <a16:creationId xmlns:a16="http://schemas.microsoft.com/office/drawing/2014/main" id="{F5C46056-8494-CC9F-982E-D33FFF084671}"/>
+                <a16:creationId xmlns:a16="http://schemas.microsoft.com/office/drawing/2014/main" id="{F888691D-F58F-6842-707B-72F08C0E3F05}"/>
               </a:ext>
             </a:extLst>
           </p:cNvPr>
@@ -1131,7 +1131,7 @@
           <a:bodyPr/>
           <a:lstStyle/>
           <a:p>
-            <a:fld id="{8E4BE6F7-C9B7-45F7-9A19-6444A27BB7FD}" type="datetimeFigureOut">
+            <a:fld id="{C48BCD11-93B0-4231-A8A1-28C388299B91}" type="datetimeFigureOut">
               <a:rPr lang="zh-CN" altLang="en-US" smtClean="0"/>
               <a:t>2024/3/10</a:t>
             </a:fld>
@@ -1144,7 +1144,7 @@
           <p:cNvPr id="5" name="页脚占位符 4">
             <a:extLst>
               <a:ext uri="{FF2B5EF4-FFF2-40B4-BE49-F238E27FC236}">
-                <a16:creationId xmlns:a16="http://schemas.microsoft.com/office/drawing/2014/main" id="{8F7CC7B7-38B4-A6DE-C32A-ABFC1A038482}"/>
+                <a16:creationId xmlns:a16="http://schemas.microsoft.com/office/drawing/2014/main" id="{B6F74249-69CD-CC01-E35A-78569BE7BC09}"/>
               </a:ext>
             </a:extLst>
           </p:cNvPr>
@@ -1169,7 +1169,7 @@
           <p:cNvPr id="6" name="灯片编号占位符 5">
             <a:extLst>
               <a:ext uri="{FF2B5EF4-FFF2-40B4-BE49-F238E27FC236}">
-                <a16:creationId xmlns:a16="http://schemas.microsoft.com/office/drawing/2014/main" id="{F17F8A02-7E60-DF92-BC4F-6C13847BC7F4}"/>
+                <a16:creationId xmlns:a16="http://schemas.microsoft.com/office/drawing/2014/main" id="{8C791EA8-018E-C31E-92E3-D5385E33EF74}"/>
               </a:ext>
             </a:extLst>
           </p:cNvPr>
@@ -1185,7 +1185,7 @@
           <a:bodyPr/>
           <a:lstStyle/>
           <a:p>
-            <a:fld id="{2BA13C56-34E5-4D97-85F1-D6F299C26E03}" type="slidenum">
+            <a:fld id="{54719AC0-EBB7-46E5-AF2E-8A495D2C1148}" type="slidenum">
               <a:rPr lang="zh-CN" altLang="en-US" smtClean="0"/>
               <a:t>‹#›</a:t>
             </a:fld>
@@ -1196,7 +1196,7 @@
     </p:spTree>
     <p:extLst>
       <p:ext uri="{BB962C8B-B14F-4D97-AF65-F5344CB8AC3E}">
-        <p14:creationId xmlns:p14="http://schemas.microsoft.com/office/powerpoint/2010/main" val="2662862580"/>
+        <p14:creationId xmlns:p14="http://schemas.microsoft.com/office/powerpoint/2010/main" val="4106315393"/>
       </p:ext>
     </p:extLst>
   </p:cSld>
@@ -1228,7 +1228,7 @@
           <p:cNvPr id="2" name="标题 1">
             <a:extLst>
               <a:ext uri="{FF2B5EF4-FFF2-40B4-BE49-F238E27FC236}">
-                <a16:creationId xmlns:a16="http://schemas.microsoft.com/office/drawing/2014/main" id="{F30F7868-8A6D-E9AF-3D25-39AE1546F28D}"/>
+                <a16:creationId xmlns:a16="http://schemas.microsoft.com/office/drawing/2014/main" id="{F5362F89-42D5-F4F4-24A1-70CA20B79E74}"/>
               </a:ext>
             </a:extLst>
           </p:cNvPr>
@@ -1256,7 +1256,7 @@
           <p:cNvPr id="3" name="内容占位符 2">
             <a:extLst>
               <a:ext uri="{FF2B5EF4-FFF2-40B4-BE49-F238E27FC236}">
-                <a16:creationId xmlns:a16="http://schemas.microsoft.com/office/drawing/2014/main" id="{4731F812-190D-DFAE-9214-5EB4F49199C3}"/>
+                <a16:creationId xmlns:a16="http://schemas.microsoft.com/office/drawing/2014/main" id="{FCF47985-C327-98B3-76C1-E552587774E8}"/>
               </a:ext>
             </a:extLst>
           </p:cNvPr>
@@ -1318,7 +1318,7 @@
           <p:cNvPr id="4" name="内容占位符 3">
             <a:extLst>
               <a:ext uri="{FF2B5EF4-FFF2-40B4-BE49-F238E27FC236}">
-                <a16:creationId xmlns:a16="http://schemas.microsoft.com/office/drawing/2014/main" id="{B4C62016-FA73-69A6-6D91-63560AD49FE0}"/>
+                <a16:creationId xmlns:a16="http://schemas.microsoft.com/office/drawing/2014/main" id="{F8F981CF-E62D-D78A-C4A3-E563A5497BB2}"/>
               </a:ext>
             </a:extLst>
           </p:cNvPr>
@@ -1380,7 +1380,7 @@
           <p:cNvPr id="5" name="日期占位符 4">
             <a:extLst>
               <a:ext uri="{FF2B5EF4-FFF2-40B4-BE49-F238E27FC236}">
-                <a16:creationId xmlns:a16="http://schemas.microsoft.com/office/drawing/2014/main" id="{42FA3D91-2DA9-A2A3-9542-D677373950D0}"/>
+                <a16:creationId xmlns:a16="http://schemas.microsoft.com/office/drawing/2014/main" id="{973443D4-512C-1320-335B-AD0E5420882F}"/>
               </a:ext>
             </a:extLst>
           </p:cNvPr>
@@ -1396,7 +1396,7 @@
           <a:bodyPr/>
           <a:lstStyle/>
           <a:p>
-            <a:fld id="{8E4BE6F7-C9B7-45F7-9A19-6444A27BB7FD}" type="datetimeFigureOut">
+            <a:fld id="{C48BCD11-93B0-4231-A8A1-28C388299B91}" type="datetimeFigureOut">
               <a:rPr lang="zh-CN" altLang="en-US" smtClean="0"/>
               <a:t>2024/3/10</a:t>
             </a:fld>
@@ -1409,7 +1409,7 @@
           <p:cNvPr id="6" name="页脚占位符 5">
             <a:extLst>
               <a:ext uri="{FF2B5EF4-FFF2-40B4-BE49-F238E27FC236}">
-                <a16:creationId xmlns:a16="http://schemas.microsoft.com/office/drawing/2014/main" id="{5E05A63F-0F62-8DD0-5366-709311438338}"/>
+                <a16:creationId xmlns:a16="http://schemas.microsoft.com/office/drawing/2014/main" id="{073D0446-EA4A-C90D-6423-9197B97B9404}"/>
               </a:ext>
             </a:extLst>
           </p:cNvPr>
@@ -1434,7 +1434,7 @@
           <p:cNvPr id="7" name="灯片编号占位符 6">
             <a:extLst>
               <a:ext uri="{FF2B5EF4-FFF2-40B4-BE49-F238E27FC236}">
-                <a16:creationId xmlns:a16="http://schemas.microsoft.com/office/drawing/2014/main" id="{E1472DDB-E00A-4505-194D-23E244690385}"/>
+                <a16:creationId xmlns:a16="http://schemas.microsoft.com/office/drawing/2014/main" id="{EDC364C3-C18B-9BE3-6F37-2FFA45D85C11}"/>
               </a:ext>
             </a:extLst>
           </p:cNvPr>
@@ -1450,7 +1450,7 @@
           <a:bodyPr/>
           <a:lstStyle/>
           <a:p>
-            <a:fld id="{2BA13C56-34E5-4D97-85F1-D6F299C26E03}" type="slidenum">
+            <a:fld id="{54719AC0-EBB7-46E5-AF2E-8A495D2C1148}" type="slidenum">
               <a:rPr lang="zh-CN" altLang="en-US" smtClean="0"/>
               <a:t>‹#›</a:t>
             </a:fld>
@@ -1461,7 +1461,7 @@
     </p:spTree>
     <p:extLst>
       <p:ext uri="{BB962C8B-B14F-4D97-AF65-F5344CB8AC3E}">
-        <p14:creationId xmlns:p14="http://schemas.microsoft.com/office/powerpoint/2010/main" val="1739731320"/>
+        <p14:creationId xmlns:p14="http://schemas.microsoft.com/office/powerpoint/2010/main" val="682424846"/>
       </p:ext>
     </p:extLst>
   </p:cSld>
@@ -1493,7 +1493,7 @@
           <p:cNvPr id="2" name="标题 1">
             <a:extLst>
               <a:ext uri="{FF2B5EF4-FFF2-40B4-BE49-F238E27FC236}">
-                <a16:creationId xmlns:a16="http://schemas.microsoft.com/office/drawing/2014/main" id="{DC4262A1-3F96-A88B-236C-2652C2ABCA6F}"/>
+                <a16:creationId xmlns:a16="http://schemas.microsoft.com/office/drawing/2014/main" id="{90ED1608-62A4-8ADC-7FF2-9F3FCC6EED4E}"/>
               </a:ext>
             </a:extLst>
           </p:cNvPr>
@@ -1526,7 +1526,7 @@
           <p:cNvPr id="3" name="文本占位符 2">
             <a:extLst>
               <a:ext uri="{FF2B5EF4-FFF2-40B4-BE49-F238E27FC236}">
-                <a16:creationId xmlns:a16="http://schemas.microsoft.com/office/drawing/2014/main" id="{D7F375EA-99BA-05F0-11FD-BC545515FDB6}"/>
+                <a16:creationId xmlns:a16="http://schemas.microsoft.com/office/drawing/2014/main" id="{53E3CC09-827B-5D08-0EA7-CD0591F5129A}"/>
               </a:ext>
             </a:extLst>
           </p:cNvPr>
@@ -1597,7 +1597,7 @@
           <p:cNvPr id="4" name="内容占位符 3">
             <a:extLst>
               <a:ext uri="{FF2B5EF4-FFF2-40B4-BE49-F238E27FC236}">
-                <a16:creationId xmlns:a16="http://schemas.microsoft.com/office/drawing/2014/main" id="{E8C026E8-FAF5-98D7-7246-0DF5966F4233}"/>
+                <a16:creationId xmlns:a16="http://schemas.microsoft.com/office/drawing/2014/main" id="{DE24D94D-591E-0E12-CABB-8FF668B7744C}"/>
               </a:ext>
             </a:extLst>
           </p:cNvPr>
@@ -1659,7 +1659,7 @@
           <p:cNvPr id="5" name="文本占位符 4">
             <a:extLst>
               <a:ext uri="{FF2B5EF4-FFF2-40B4-BE49-F238E27FC236}">
-                <a16:creationId xmlns:a16="http://schemas.microsoft.com/office/drawing/2014/main" id="{C8600DEA-508C-B1FC-D2D2-FA18EA94E10E}"/>
+                <a16:creationId xmlns:a16="http://schemas.microsoft.com/office/drawing/2014/main" id="{E6FDC810-904A-4ACB-4FC1-8B405FA9D858}"/>
               </a:ext>
             </a:extLst>
           </p:cNvPr>
@@ -1730,7 +1730,7 @@
           <p:cNvPr id="6" name="内容占位符 5">
             <a:extLst>
               <a:ext uri="{FF2B5EF4-FFF2-40B4-BE49-F238E27FC236}">
-                <a16:creationId xmlns:a16="http://schemas.microsoft.com/office/drawing/2014/main" id="{945B41DF-D3EE-093D-B230-DE14744C8EE5}"/>
+                <a16:creationId xmlns:a16="http://schemas.microsoft.com/office/drawing/2014/main" id="{4304F0C0-1222-7836-7AF7-73787EE94463}"/>
               </a:ext>
             </a:extLst>
           </p:cNvPr>
@@ -1792,7 +1792,7 @@
           <p:cNvPr id="7" name="日期占位符 6">
             <a:extLst>
               <a:ext uri="{FF2B5EF4-FFF2-40B4-BE49-F238E27FC236}">
-                <a16:creationId xmlns:a16="http://schemas.microsoft.com/office/drawing/2014/main" id="{9B5D368C-2C6E-5DEB-D624-8BA07F046132}"/>
+                <a16:creationId xmlns:a16="http://schemas.microsoft.com/office/drawing/2014/main" id="{88982153-8863-091F-5339-E38A10BAC291}"/>
               </a:ext>
             </a:extLst>
           </p:cNvPr>
@@ -1808,7 +1808,7 @@
           <a:bodyPr/>
           <a:lstStyle/>
           <a:p>
-            <a:fld id="{8E4BE6F7-C9B7-45F7-9A19-6444A27BB7FD}" type="datetimeFigureOut">
+            <a:fld id="{C48BCD11-93B0-4231-A8A1-28C388299B91}" type="datetimeFigureOut">
               <a:rPr lang="zh-CN" altLang="en-US" smtClean="0"/>
               <a:t>2024/3/10</a:t>
             </a:fld>
@@ -1821,7 +1821,7 @@
           <p:cNvPr id="8" name="页脚占位符 7">
             <a:extLst>
               <a:ext uri="{FF2B5EF4-FFF2-40B4-BE49-F238E27FC236}">
-                <a16:creationId xmlns:a16="http://schemas.microsoft.com/office/drawing/2014/main" id="{6F55D86D-61F9-7BF5-5C61-485F2D3F1F3F}"/>
+                <a16:creationId xmlns:a16="http://schemas.microsoft.com/office/drawing/2014/main" id="{DB4BAC87-1C28-5C78-9A58-F50E54E90D9C}"/>
               </a:ext>
             </a:extLst>
           </p:cNvPr>
@@ -1846,7 +1846,7 @@
           <p:cNvPr id="9" name="灯片编号占位符 8">
             <a:extLst>
               <a:ext uri="{FF2B5EF4-FFF2-40B4-BE49-F238E27FC236}">
-                <a16:creationId xmlns:a16="http://schemas.microsoft.com/office/drawing/2014/main" id="{938C7E18-5F5E-173B-213E-9140844DDE11}"/>
+                <a16:creationId xmlns:a16="http://schemas.microsoft.com/office/drawing/2014/main" id="{B90F2CAE-FF45-A316-C3A9-E30FCB61D546}"/>
               </a:ext>
             </a:extLst>
           </p:cNvPr>
@@ -1862,7 +1862,7 @@
           <a:bodyPr/>
           <a:lstStyle/>
           <a:p>
-            <a:fld id="{2BA13C56-34E5-4D97-85F1-D6F299C26E03}" type="slidenum">
+            <a:fld id="{54719AC0-EBB7-46E5-AF2E-8A495D2C1148}" type="slidenum">
               <a:rPr lang="zh-CN" altLang="en-US" smtClean="0"/>
               <a:t>‹#›</a:t>
             </a:fld>
@@ -1873,7 +1873,7 @@
     </p:spTree>
     <p:extLst>
       <p:ext uri="{BB962C8B-B14F-4D97-AF65-F5344CB8AC3E}">
-        <p14:creationId xmlns:p14="http://schemas.microsoft.com/office/powerpoint/2010/main" val="725459186"/>
+        <p14:creationId xmlns:p14="http://schemas.microsoft.com/office/powerpoint/2010/main" val="1804632674"/>
       </p:ext>
     </p:extLst>
   </p:cSld>
@@ -1905,7 +1905,7 @@
           <p:cNvPr id="2" name="标题 1">
             <a:extLst>
               <a:ext uri="{FF2B5EF4-FFF2-40B4-BE49-F238E27FC236}">
-                <a16:creationId xmlns:a16="http://schemas.microsoft.com/office/drawing/2014/main" id="{11038D4D-4627-22BE-399D-4799F17D9E5B}"/>
+                <a16:creationId xmlns:a16="http://schemas.microsoft.com/office/drawing/2014/main" id="{F18F7DF1-B8AD-365B-6B75-EF66F4D3112B}"/>
               </a:ext>
             </a:extLst>
           </p:cNvPr>
@@ -1933,7 +1933,7 @@
           <p:cNvPr id="3" name="日期占位符 2">
             <a:extLst>
               <a:ext uri="{FF2B5EF4-FFF2-40B4-BE49-F238E27FC236}">
-                <a16:creationId xmlns:a16="http://schemas.microsoft.com/office/drawing/2014/main" id="{E69609B2-16D6-2F48-6CFC-FF0A154EC767}"/>
+                <a16:creationId xmlns:a16="http://schemas.microsoft.com/office/drawing/2014/main" id="{8A9CC5D0-69E0-4340-BFE8-5589C6606561}"/>
               </a:ext>
             </a:extLst>
           </p:cNvPr>
@@ -1949,7 +1949,7 @@
           <a:bodyPr/>
           <a:lstStyle/>
           <a:p>
-            <a:fld id="{8E4BE6F7-C9B7-45F7-9A19-6444A27BB7FD}" type="datetimeFigureOut">
+            <a:fld id="{C48BCD11-93B0-4231-A8A1-28C388299B91}" type="datetimeFigureOut">
               <a:rPr lang="zh-CN" altLang="en-US" smtClean="0"/>
               <a:t>2024/3/10</a:t>
             </a:fld>
@@ -1962,7 +1962,7 @@
           <p:cNvPr id="4" name="页脚占位符 3">
             <a:extLst>
               <a:ext uri="{FF2B5EF4-FFF2-40B4-BE49-F238E27FC236}">
-                <a16:creationId xmlns:a16="http://schemas.microsoft.com/office/drawing/2014/main" id="{B41AB573-5903-2A7D-3958-A9F312A6D023}"/>
+                <a16:creationId xmlns:a16="http://schemas.microsoft.com/office/drawing/2014/main" id="{08B25B98-F5D0-C6FF-F7FE-45CADD6C1640}"/>
               </a:ext>
             </a:extLst>
           </p:cNvPr>
@@ -1987,7 +1987,7 @@
           <p:cNvPr id="5" name="灯片编号占位符 4">
             <a:extLst>
               <a:ext uri="{FF2B5EF4-FFF2-40B4-BE49-F238E27FC236}">
-                <a16:creationId xmlns:a16="http://schemas.microsoft.com/office/drawing/2014/main" id="{8168C43A-8C22-2A51-9D0F-71A02430F71A}"/>
+                <a16:creationId xmlns:a16="http://schemas.microsoft.com/office/drawing/2014/main" id="{BFDAAA6D-093C-5495-7673-4111E4D91802}"/>
               </a:ext>
             </a:extLst>
           </p:cNvPr>
@@ -2003,7 +2003,7 @@
           <a:bodyPr/>
           <a:lstStyle/>
           <a:p>
-            <a:fld id="{2BA13C56-34E5-4D97-85F1-D6F299C26E03}" type="slidenum">
+            <a:fld id="{54719AC0-EBB7-46E5-AF2E-8A495D2C1148}" type="slidenum">
               <a:rPr lang="zh-CN" altLang="en-US" smtClean="0"/>
               <a:t>‹#›</a:t>
             </a:fld>
@@ -2014,7 +2014,7 @@
     </p:spTree>
     <p:extLst>
       <p:ext uri="{BB962C8B-B14F-4D97-AF65-F5344CB8AC3E}">
-        <p14:creationId xmlns:p14="http://schemas.microsoft.com/office/powerpoint/2010/main" val="950359322"/>
+        <p14:creationId xmlns:p14="http://schemas.microsoft.com/office/powerpoint/2010/main" val="2448525972"/>
       </p:ext>
     </p:extLst>
   </p:cSld>
@@ -2046,7 +2046,7 @@
           <p:cNvPr id="2" name="日期占位符 1">
             <a:extLst>
               <a:ext uri="{FF2B5EF4-FFF2-40B4-BE49-F238E27FC236}">
-                <a16:creationId xmlns:a16="http://schemas.microsoft.com/office/drawing/2014/main" id="{0CCDD1ED-9360-7A54-D57C-2D78DEBD8930}"/>
+                <a16:creationId xmlns:a16="http://schemas.microsoft.com/office/drawing/2014/main" id="{DE372728-1946-0541-9894-0B23E0B6BD58}"/>
               </a:ext>
             </a:extLst>
           </p:cNvPr>
@@ -2062,7 +2062,7 @@
           <a:bodyPr/>
           <a:lstStyle/>
           <a:p>
-            <a:fld id="{8E4BE6F7-C9B7-45F7-9A19-6444A27BB7FD}" type="datetimeFigureOut">
+            <a:fld id="{C48BCD11-93B0-4231-A8A1-28C388299B91}" type="datetimeFigureOut">
               <a:rPr lang="zh-CN" altLang="en-US" smtClean="0"/>
               <a:t>2024/3/10</a:t>
             </a:fld>
@@ -2075,7 +2075,7 @@
           <p:cNvPr id="3" name="页脚占位符 2">
             <a:extLst>
               <a:ext uri="{FF2B5EF4-FFF2-40B4-BE49-F238E27FC236}">
-                <a16:creationId xmlns:a16="http://schemas.microsoft.com/office/drawing/2014/main" id="{415126E3-A237-2333-3E0A-ED54C0D38D02}"/>
+                <a16:creationId xmlns:a16="http://schemas.microsoft.com/office/drawing/2014/main" id="{E705665A-AB53-A2A6-D01E-4ACF3A029C2B}"/>
               </a:ext>
             </a:extLst>
           </p:cNvPr>
@@ -2100,7 +2100,7 @@
           <p:cNvPr id="4" name="灯片编号占位符 3">
             <a:extLst>
               <a:ext uri="{FF2B5EF4-FFF2-40B4-BE49-F238E27FC236}">
-                <a16:creationId xmlns:a16="http://schemas.microsoft.com/office/drawing/2014/main" id="{26222A84-714C-55ED-10CB-9FE345DD99DF}"/>
+                <a16:creationId xmlns:a16="http://schemas.microsoft.com/office/drawing/2014/main" id="{27250571-4A46-BD45-3CF1-8BB8ECD569AE}"/>
               </a:ext>
             </a:extLst>
           </p:cNvPr>
@@ -2116,7 +2116,7 @@
           <a:bodyPr/>
           <a:lstStyle/>
           <a:p>
-            <a:fld id="{2BA13C56-34E5-4D97-85F1-D6F299C26E03}" type="slidenum">
+            <a:fld id="{54719AC0-EBB7-46E5-AF2E-8A495D2C1148}" type="slidenum">
               <a:rPr lang="zh-CN" altLang="en-US" smtClean="0"/>
               <a:t>‹#›</a:t>
             </a:fld>
@@ -2127,7 +2127,7 @@
     </p:spTree>
     <p:extLst>
       <p:ext uri="{BB962C8B-B14F-4D97-AF65-F5344CB8AC3E}">
-        <p14:creationId xmlns:p14="http://schemas.microsoft.com/office/powerpoint/2010/main" val="1021385722"/>
+        <p14:creationId xmlns:p14="http://schemas.microsoft.com/office/powerpoint/2010/main" val="2782046945"/>
       </p:ext>
     </p:extLst>
   </p:cSld>
@@ -2159,7 +2159,7 @@
           <p:cNvPr id="2" name="标题 1">
             <a:extLst>
               <a:ext uri="{FF2B5EF4-FFF2-40B4-BE49-F238E27FC236}">
-                <a16:creationId xmlns:a16="http://schemas.microsoft.com/office/drawing/2014/main" id="{5A7163C6-B283-5A2F-2C38-D6031498C081}"/>
+                <a16:creationId xmlns:a16="http://schemas.microsoft.com/office/drawing/2014/main" id="{5193EBEB-40CA-6B8B-1080-405401D84714}"/>
               </a:ext>
             </a:extLst>
           </p:cNvPr>
@@ -2196,7 +2196,7 @@
           <p:cNvPr id="3" name="内容占位符 2">
             <a:extLst>
               <a:ext uri="{FF2B5EF4-FFF2-40B4-BE49-F238E27FC236}">
-                <a16:creationId xmlns:a16="http://schemas.microsoft.com/office/drawing/2014/main" id="{1F61D8E7-600D-C327-2CA8-0E1B0890FD2D}"/>
+                <a16:creationId xmlns:a16="http://schemas.microsoft.com/office/drawing/2014/main" id="{1CD06AAC-DF1D-5941-02D9-58000D21DF8A}"/>
               </a:ext>
             </a:extLst>
           </p:cNvPr>
@@ -2286,7 +2286,7 @@
           <p:cNvPr id="4" name="文本占位符 3">
             <a:extLst>
               <a:ext uri="{FF2B5EF4-FFF2-40B4-BE49-F238E27FC236}">
-                <a16:creationId xmlns:a16="http://schemas.microsoft.com/office/drawing/2014/main" id="{EB598EB8-7CFD-298A-ED23-A4C10533E012}"/>
+                <a16:creationId xmlns:a16="http://schemas.microsoft.com/office/drawing/2014/main" id="{C8437549-40FA-9150-3B7B-45140AE69736}"/>
               </a:ext>
             </a:extLst>
           </p:cNvPr>
@@ -2357,7 +2357,7 @@
           <p:cNvPr id="5" name="日期占位符 4">
             <a:extLst>
               <a:ext uri="{FF2B5EF4-FFF2-40B4-BE49-F238E27FC236}">
-                <a16:creationId xmlns:a16="http://schemas.microsoft.com/office/drawing/2014/main" id="{77540544-62DF-0E0E-0752-693557D9B1A6}"/>
+                <a16:creationId xmlns:a16="http://schemas.microsoft.com/office/drawing/2014/main" id="{ACA0B798-BEA0-C60C-9C2C-42D7E45A1EFA}"/>
               </a:ext>
             </a:extLst>
           </p:cNvPr>
@@ -2373,7 +2373,7 @@
           <a:bodyPr/>
           <a:lstStyle/>
           <a:p>
-            <a:fld id="{8E4BE6F7-C9B7-45F7-9A19-6444A27BB7FD}" type="datetimeFigureOut">
+            <a:fld id="{C48BCD11-93B0-4231-A8A1-28C388299B91}" type="datetimeFigureOut">
               <a:rPr lang="zh-CN" altLang="en-US" smtClean="0"/>
               <a:t>2024/3/10</a:t>
             </a:fld>
@@ -2386,7 +2386,7 @@
           <p:cNvPr id="6" name="页脚占位符 5">
             <a:extLst>
               <a:ext uri="{FF2B5EF4-FFF2-40B4-BE49-F238E27FC236}">
-                <a16:creationId xmlns:a16="http://schemas.microsoft.com/office/drawing/2014/main" id="{04E21D50-5DD6-F868-5134-1B8E92F45E7A}"/>
+                <a16:creationId xmlns:a16="http://schemas.microsoft.com/office/drawing/2014/main" id="{9C25BE72-BE81-D413-DC87-F977DA4603EE}"/>
               </a:ext>
             </a:extLst>
           </p:cNvPr>
@@ -2411,7 +2411,7 @@
           <p:cNvPr id="7" name="灯片编号占位符 6">
             <a:extLst>
               <a:ext uri="{FF2B5EF4-FFF2-40B4-BE49-F238E27FC236}">
-                <a16:creationId xmlns:a16="http://schemas.microsoft.com/office/drawing/2014/main" id="{ECA0B5A0-7E88-4A64-57CE-8E35AE2BD887}"/>
+                <a16:creationId xmlns:a16="http://schemas.microsoft.com/office/drawing/2014/main" id="{E38EE6A2-2906-A770-547B-CC6B6FF4E9F4}"/>
               </a:ext>
             </a:extLst>
           </p:cNvPr>
@@ -2427,7 +2427,7 @@
           <a:bodyPr/>
           <a:lstStyle/>
           <a:p>
-            <a:fld id="{2BA13C56-34E5-4D97-85F1-D6F299C26E03}" type="slidenum">
+            <a:fld id="{54719AC0-EBB7-46E5-AF2E-8A495D2C1148}" type="slidenum">
               <a:rPr lang="zh-CN" altLang="en-US" smtClean="0"/>
               <a:t>‹#›</a:t>
             </a:fld>
@@ -2438,7 +2438,7 @@
     </p:spTree>
     <p:extLst>
       <p:ext uri="{BB962C8B-B14F-4D97-AF65-F5344CB8AC3E}">
-        <p14:creationId xmlns:p14="http://schemas.microsoft.com/office/powerpoint/2010/main" val="604842937"/>
+        <p14:creationId xmlns:p14="http://schemas.microsoft.com/office/powerpoint/2010/main" val="4222446380"/>
       </p:ext>
     </p:extLst>
   </p:cSld>
@@ -2470,7 +2470,7 @@
           <p:cNvPr id="2" name="标题 1">
             <a:extLst>
               <a:ext uri="{FF2B5EF4-FFF2-40B4-BE49-F238E27FC236}">
-                <a16:creationId xmlns:a16="http://schemas.microsoft.com/office/drawing/2014/main" id="{4400DFB6-0D69-D00C-F506-2CB9A1BD33B9}"/>
+                <a16:creationId xmlns:a16="http://schemas.microsoft.com/office/drawing/2014/main" id="{87681F8F-B958-F77C-D6D5-72A6C0224D9D}"/>
               </a:ext>
             </a:extLst>
           </p:cNvPr>
@@ -2507,7 +2507,7 @@
           <p:cNvPr id="3" name="图片占位符 2">
             <a:extLst>
               <a:ext uri="{FF2B5EF4-FFF2-40B4-BE49-F238E27FC236}">
-                <a16:creationId xmlns:a16="http://schemas.microsoft.com/office/drawing/2014/main" id="{1A4B8A0F-92D1-01BF-FCDA-5FFA4E668A87}"/>
+                <a16:creationId xmlns:a16="http://schemas.microsoft.com/office/drawing/2014/main" id="{96162294-4940-9456-96CA-049AB1639F31}"/>
               </a:ext>
             </a:extLst>
           </p:cNvPr>
@@ -2574,7 +2574,7 @@
           <p:cNvPr id="4" name="文本占位符 3">
             <a:extLst>
               <a:ext uri="{FF2B5EF4-FFF2-40B4-BE49-F238E27FC236}">
-                <a16:creationId xmlns:a16="http://schemas.microsoft.com/office/drawing/2014/main" id="{2BD563E8-A0ED-836F-2B84-36B5C9FABF2C}"/>
+                <a16:creationId xmlns:a16="http://schemas.microsoft.com/office/drawing/2014/main" id="{53CD554F-934F-2B02-9D0B-BD3475BBAE8F}"/>
               </a:ext>
             </a:extLst>
           </p:cNvPr>
@@ -2645,7 +2645,7 @@
           <p:cNvPr id="5" name="日期占位符 4">
             <a:extLst>
               <a:ext uri="{FF2B5EF4-FFF2-40B4-BE49-F238E27FC236}">
-                <a16:creationId xmlns:a16="http://schemas.microsoft.com/office/drawing/2014/main" id="{DB25E8EC-A1AC-44A5-6C15-1E5DEBA91AF1}"/>
+                <a16:creationId xmlns:a16="http://schemas.microsoft.com/office/drawing/2014/main" id="{183A8908-B805-8048-6155-AC02D50CD635}"/>
               </a:ext>
             </a:extLst>
           </p:cNvPr>
@@ -2661,7 +2661,7 @@
           <a:bodyPr/>
           <a:lstStyle/>
           <a:p>
-            <a:fld id="{8E4BE6F7-C9B7-45F7-9A19-6444A27BB7FD}" type="datetimeFigureOut">
+            <a:fld id="{C48BCD11-93B0-4231-A8A1-28C388299B91}" type="datetimeFigureOut">
               <a:rPr lang="zh-CN" altLang="en-US" smtClean="0"/>
               <a:t>2024/3/10</a:t>
             </a:fld>
@@ -2674,7 +2674,7 @@
           <p:cNvPr id="6" name="页脚占位符 5">
             <a:extLst>
               <a:ext uri="{FF2B5EF4-FFF2-40B4-BE49-F238E27FC236}">
-                <a16:creationId xmlns:a16="http://schemas.microsoft.com/office/drawing/2014/main" id="{EE7B882F-5C40-4BEF-489C-E82717382DCF}"/>
+                <a16:creationId xmlns:a16="http://schemas.microsoft.com/office/drawing/2014/main" id="{4F669BFA-C91D-0C55-EA7D-A3AF7F866481}"/>
               </a:ext>
             </a:extLst>
           </p:cNvPr>
@@ -2699,7 +2699,7 @@
           <p:cNvPr id="7" name="灯片编号占位符 6">
             <a:extLst>
               <a:ext uri="{FF2B5EF4-FFF2-40B4-BE49-F238E27FC236}">
-                <a16:creationId xmlns:a16="http://schemas.microsoft.com/office/drawing/2014/main" id="{FE16F927-56D6-F82B-C084-B4A76BB42FCD}"/>
+                <a16:creationId xmlns:a16="http://schemas.microsoft.com/office/drawing/2014/main" id="{A8754670-5D5F-FEA6-0575-5A2512E225E9}"/>
               </a:ext>
             </a:extLst>
           </p:cNvPr>
@@ -2715,7 +2715,7 @@
           <a:bodyPr/>
           <a:lstStyle/>
           <a:p>
-            <a:fld id="{2BA13C56-34E5-4D97-85F1-D6F299C26E03}" type="slidenum">
+            <a:fld id="{54719AC0-EBB7-46E5-AF2E-8A495D2C1148}" type="slidenum">
               <a:rPr lang="zh-CN" altLang="en-US" smtClean="0"/>
               <a:t>‹#›</a:t>
             </a:fld>
@@ -2726,7 +2726,7 @@
     </p:spTree>
     <p:extLst>
       <p:ext uri="{BB962C8B-B14F-4D97-AF65-F5344CB8AC3E}">
-        <p14:creationId xmlns:p14="http://schemas.microsoft.com/office/powerpoint/2010/main" val="2479760503"/>
+        <p14:creationId xmlns:p14="http://schemas.microsoft.com/office/powerpoint/2010/main" val="2839521575"/>
       </p:ext>
     </p:extLst>
   </p:cSld>
@@ -2763,7 +2763,7 @@
           <p:cNvPr id="2" name="标题占位符 1">
             <a:extLst>
               <a:ext uri="{FF2B5EF4-FFF2-40B4-BE49-F238E27FC236}">
-                <a16:creationId xmlns:a16="http://schemas.microsoft.com/office/drawing/2014/main" id="{DEACA415-8A8D-F7AE-1B1E-9800A0291F3E}"/>
+                <a16:creationId xmlns:a16="http://schemas.microsoft.com/office/drawing/2014/main" id="{824D3CBE-9D29-AEF0-1B80-1C1BEB2D2212}"/>
               </a:ext>
             </a:extLst>
           </p:cNvPr>
@@ -2801,7 +2801,7 @@
           <p:cNvPr id="3" name="文本占位符 2">
             <a:extLst>
               <a:ext uri="{FF2B5EF4-FFF2-40B4-BE49-F238E27FC236}">
-                <a16:creationId xmlns:a16="http://schemas.microsoft.com/office/drawing/2014/main" id="{E7707199-51F7-1092-3C0B-FA0A5ECDB198}"/>
+                <a16:creationId xmlns:a16="http://schemas.microsoft.com/office/drawing/2014/main" id="{12FCE8CE-909C-CA89-E329-587F674C9DAC}"/>
               </a:ext>
             </a:extLst>
           </p:cNvPr>
@@ -2868,7 +2868,7 @@
           <p:cNvPr id="4" name="日期占位符 3">
             <a:extLst>
               <a:ext uri="{FF2B5EF4-FFF2-40B4-BE49-F238E27FC236}">
-                <a16:creationId xmlns:a16="http://schemas.microsoft.com/office/drawing/2014/main" id="{CC755C3F-350E-128F-EEB6-A8FBD726DB53}"/>
+                <a16:creationId xmlns:a16="http://schemas.microsoft.com/office/drawing/2014/main" id="{578918E1-D051-F4C4-C927-F43B57F67C08}"/>
               </a:ext>
             </a:extLst>
           </p:cNvPr>
@@ -2902,7 +2902,7 @@
             </a:lvl1pPr>
           </a:lstStyle>
           <a:p>
-            <a:fld id="{8E4BE6F7-C9B7-45F7-9A19-6444A27BB7FD}" type="datetimeFigureOut">
+            <a:fld id="{C48BCD11-93B0-4231-A8A1-28C388299B91}" type="datetimeFigureOut">
               <a:rPr lang="zh-CN" altLang="en-US" smtClean="0"/>
               <a:t>2024/3/10</a:t>
             </a:fld>
@@ -2915,7 +2915,7 @@
           <p:cNvPr id="5" name="页脚占位符 4">
             <a:extLst>
               <a:ext uri="{FF2B5EF4-FFF2-40B4-BE49-F238E27FC236}">
-                <a16:creationId xmlns:a16="http://schemas.microsoft.com/office/drawing/2014/main" id="{2ED8EA4D-FA96-E705-FB2B-4BCC13288F16}"/>
+                <a16:creationId xmlns:a16="http://schemas.microsoft.com/office/drawing/2014/main" id="{5AEF5145-79C6-3A0C-225D-9FF65403DC97}"/>
               </a:ext>
             </a:extLst>
           </p:cNvPr>
@@ -2958,7 +2958,7 @@
           <p:cNvPr id="6" name="灯片编号占位符 5">
             <a:extLst>
               <a:ext uri="{FF2B5EF4-FFF2-40B4-BE49-F238E27FC236}">
-                <a16:creationId xmlns:a16="http://schemas.microsoft.com/office/drawing/2014/main" id="{65A19F85-96EF-8F66-64CB-8E7C8293160E}"/>
+                <a16:creationId xmlns:a16="http://schemas.microsoft.com/office/drawing/2014/main" id="{8C4C5F6E-73B1-FEDC-C129-7D840EE1DA6C}"/>
               </a:ext>
             </a:extLst>
           </p:cNvPr>
@@ -2992,7 +2992,7 @@
             </a:lvl1pPr>
           </a:lstStyle>
           <a:p>
-            <a:fld id="{2BA13C56-34E5-4D97-85F1-D6F299C26E03}" type="slidenum">
+            <a:fld id="{54719AC0-EBB7-46E5-AF2E-8A495D2C1148}" type="slidenum">
               <a:rPr lang="zh-CN" altLang="en-US" smtClean="0"/>
               <a:t>‹#›</a:t>
             </a:fld>
@@ -3003,7 +3003,7 @@
     </p:spTree>
     <p:extLst>
       <p:ext uri="{BB962C8B-B14F-4D97-AF65-F5344CB8AC3E}">
-        <p14:creationId xmlns:p14="http://schemas.microsoft.com/office/powerpoint/2010/main" val="624647518"/>
+        <p14:creationId xmlns:p14="http://schemas.microsoft.com/office/powerpoint/2010/main" val="3665365862"/>
       </p:ext>
     </p:extLst>
   </p:cSld>
